--- a/CSCE658-S24/L17.pptx
+++ b/CSCE658-S24/L17.pptx
@@ -1104,7 +1104,7 @@
           <a:p>
             <a:fld id="{C2A31D91-0258-44B2-AC0E-011C9C4CC39D}" type="datetimeFigureOut">
               <a:rPr lang="en-US" smtClean="0"/>
-              <a:t>3/28/2024</a:t>
+              <a:t>4/5/2024</a:t>
             </a:fld>
             <a:endParaRPr lang="en-US"/>
           </a:p>
@@ -2366,7 +2366,7 @@
           <a:p>
             <a:fld id="{6956DCC5-06B7-4615-A9B9-4F659565ADEC}" type="datetimeFigureOut">
               <a:rPr lang="en-US" smtClean="0"/>
-              <a:t>3/28/2024</a:t>
+              <a:t>4/5/2024</a:t>
             </a:fld>
             <a:endParaRPr lang="en-US"/>
           </a:p>
@@ -2564,7 +2564,7 @@
           <a:p>
             <a:fld id="{6956DCC5-06B7-4615-A9B9-4F659565ADEC}" type="datetimeFigureOut">
               <a:rPr lang="en-US" smtClean="0"/>
-              <a:t>3/28/2024</a:t>
+              <a:t>4/5/2024</a:t>
             </a:fld>
             <a:endParaRPr lang="en-US"/>
           </a:p>
@@ -2772,7 +2772,7 @@
           <a:p>
             <a:fld id="{6956DCC5-06B7-4615-A9B9-4F659565ADEC}" type="datetimeFigureOut">
               <a:rPr lang="en-US" smtClean="0"/>
-              <a:t>3/28/2024</a:t>
+              <a:t>4/5/2024</a:t>
             </a:fld>
             <a:endParaRPr lang="en-US"/>
           </a:p>
@@ -3329,7 +3329,7 @@
           <a:p>
             <a:fld id="{6956DCC5-06B7-4615-A9B9-4F659565ADEC}" type="datetimeFigureOut">
               <a:rPr lang="en-US" smtClean="0"/>
-              <a:t>3/28/2024</a:t>
+              <a:t>4/5/2024</a:t>
             </a:fld>
             <a:endParaRPr lang="en-US"/>
           </a:p>
@@ -3604,7 +3604,7 @@
           <a:p>
             <a:fld id="{6956DCC5-06B7-4615-A9B9-4F659565ADEC}" type="datetimeFigureOut">
               <a:rPr lang="en-US" smtClean="0"/>
-              <a:t>3/28/2024</a:t>
+              <a:t>4/5/2024</a:t>
             </a:fld>
             <a:endParaRPr lang="en-US"/>
           </a:p>
@@ -3869,7 +3869,7 @@
           <a:p>
             <a:fld id="{6956DCC5-06B7-4615-A9B9-4F659565ADEC}" type="datetimeFigureOut">
               <a:rPr lang="en-US" smtClean="0"/>
-              <a:t>3/28/2024</a:t>
+              <a:t>4/5/2024</a:t>
             </a:fld>
             <a:endParaRPr lang="en-US"/>
           </a:p>
@@ -4281,7 +4281,7 @@
           <a:p>
             <a:fld id="{6956DCC5-06B7-4615-A9B9-4F659565ADEC}" type="datetimeFigureOut">
               <a:rPr lang="en-US" smtClean="0"/>
-              <a:t>3/28/2024</a:t>
+              <a:t>4/5/2024</a:t>
             </a:fld>
             <a:endParaRPr lang="en-US"/>
           </a:p>
@@ -4422,7 +4422,7 @@
           <a:p>
             <a:fld id="{6956DCC5-06B7-4615-A9B9-4F659565ADEC}" type="datetimeFigureOut">
               <a:rPr lang="en-US" smtClean="0"/>
-              <a:t>3/28/2024</a:t>
+              <a:t>4/5/2024</a:t>
             </a:fld>
             <a:endParaRPr lang="en-US"/>
           </a:p>
@@ -4535,7 +4535,7 @@
           <a:p>
             <a:fld id="{6956DCC5-06B7-4615-A9B9-4F659565ADEC}" type="datetimeFigureOut">
               <a:rPr lang="en-US" smtClean="0"/>
-              <a:t>3/28/2024</a:t>
+              <a:t>4/5/2024</a:t>
             </a:fld>
             <a:endParaRPr lang="en-US"/>
           </a:p>
@@ -4846,7 +4846,7 @@
           <a:p>
             <a:fld id="{6956DCC5-06B7-4615-A9B9-4F659565ADEC}" type="datetimeFigureOut">
               <a:rPr lang="en-US" smtClean="0"/>
-              <a:t>3/28/2024</a:t>
+              <a:t>4/5/2024</a:t>
             </a:fld>
             <a:endParaRPr lang="en-US"/>
           </a:p>
@@ -5134,7 +5134,7 @@
           <a:p>
             <a:fld id="{6956DCC5-06B7-4615-A9B9-4F659565ADEC}" type="datetimeFigureOut">
               <a:rPr lang="en-US" smtClean="0"/>
-              <a:t>3/28/2024</a:t>
+              <a:t>4/5/2024</a:t>
             </a:fld>
             <a:endParaRPr lang="en-US"/>
           </a:p>
@@ -5375,7 +5375,7 @@
           <a:p>
             <a:fld id="{6956DCC5-06B7-4615-A9B9-4F659565ADEC}" type="datetimeFigureOut">
               <a:rPr lang="en-US" smtClean="0"/>
-              <a:t>3/28/2024</a:t>
+              <a:t>4/5/2024</a:t>
             </a:fld>
             <a:endParaRPr lang="en-US"/>
           </a:p>
@@ -24060,8 +24060,8 @@
           </a:p>
         </p:txBody>
       </p:sp>
-      <mc:AlternateContent xmlns:mc="http://schemas.openxmlformats.org/markup-compatibility/2006">
-        <mc:Choice xmlns:a14="http://schemas.microsoft.com/office/drawing/2010/main" Requires="a14">
+      <mc:AlternateContent xmlns:mc="http://schemas.openxmlformats.org/markup-compatibility/2006" xmlns:a14="http://schemas.microsoft.com/office/drawing/2010/main">
+        <mc:Choice Requires="a14">
           <p:sp>
             <p:nvSpPr>
               <p:cNvPr id="3" name="Content Placeholder 2">
@@ -24353,7 +24353,7 @@
             </p:txBody>
           </p:sp>
         </mc:Choice>
-        <mc:Fallback>
+        <mc:Fallback xmlns="">
           <p:sp>
             <p:nvSpPr>
               <p:cNvPr id="3" name="Content Placeholder 2">
@@ -26830,8 +26830,8 @@
           </a:p>
         </p:txBody>
       </p:sp>
-      <mc:AlternateContent xmlns:mc="http://schemas.openxmlformats.org/markup-compatibility/2006" xmlns:a14="http://schemas.microsoft.com/office/drawing/2010/main">
-        <mc:Choice Requires="a14">
+      <mc:AlternateContent xmlns:mc="http://schemas.openxmlformats.org/markup-compatibility/2006">
+        <mc:Choice xmlns:a14="http://schemas.microsoft.com/office/drawing/2010/main" Requires="a14">
           <p:sp>
             <p:nvSpPr>
               <p:cNvPr id="3" name="Content Placeholder 2">
@@ -27074,7 +27074,16 @@
                         </a:solidFill>
                         <a:latin typeface="Cambria Math" panose="02040503050406030204" pitchFamily="18" charset="0"/>
                       </a:rPr>
-                      <m:t>∈[0,1]</m:t>
+                      <m:t>∈[−1,1</m:t>
+                    </m:r>
+                    <m:r>
+                      <a:rPr lang="en-US" sz="3200" b="0" i="1" smtClean="0">
+                        <a:solidFill>
+                          <a:srgbClr val="C00000"/>
+                        </a:solidFill>
+                        <a:latin typeface="Cambria Math" panose="02040503050406030204" pitchFamily="18" charset="0"/>
+                      </a:rPr>
+                      <m:t>]</m:t>
                     </m:r>
                   </m:oMath>
                 </a14:m>
@@ -27164,7 +27173,7 @@
             </p:txBody>
           </p:sp>
         </mc:Choice>
-        <mc:Fallback xmlns="">
+        <mc:Fallback>
           <p:sp>
             <p:nvSpPr>
               <p:cNvPr id="3" name="Content Placeholder 2">
@@ -28459,8 +28468,8 @@
           </a:p>
         </p:txBody>
       </p:sp>
-      <mc:AlternateContent xmlns:mc="http://schemas.openxmlformats.org/markup-compatibility/2006">
-        <mc:Choice xmlns:a14="http://schemas.microsoft.com/office/drawing/2010/main" Requires="a14">
+      <mc:AlternateContent xmlns:mc="http://schemas.openxmlformats.org/markup-compatibility/2006" xmlns:a14="http://schemas.microsoft.com/office/drawing/2010/main">
+        <mc:Choice Requires="a14">
           <p:sp>
             <p:nvSpPr>
               <p:cNvPr id="3" name="Content Placeholder 2">
@@ -28693,7 +28702,7 @@
             </p:txBody>
           </p:sp>
         </mc:Choice>
-        <mc:Fallback>
+        <mc:Fallback xmlns="">
           <p:sp>
             <p:nvSpPr>
               <p:cNvPr id="3" name="Content Placeholder 2">
@@ -30161,8 +30170,8 @@
           </p:sp>
         </mc:Fallback>
       </mc:AlternateContent>
-      <mc:AlternateContent xmlns:mc="http://schemas.openxmlformats.org/markup-compatibility/2006">
-        <mc:Choice xmlns:a14="http://schemas.microsoft.com/office/drawing/2010/main" Requires="a14">
+      <mc:AlternateContent xmlns:mc="http://schemas.openxmlformats.org/markup-compatibility/2006" xmlns:a14="http://schemas.microsoft.com/office/drawing/2010/main">
+        <mc:Choice Requires="a14">
           <p:sp>
             <p:nvSpPr>
               <p:cNvPr id="9" name="TextBox 8">
@@ -30273,7 +30282,7 @@
             </p:txBody>
           </p:sp>
         </mc:Choice>
-        <mc:Fallback>
+        <mc:Fallback xmlns="">
           <p:sp>
             <p:nvSpPr>
               <p:cNvPr id="9" name="TextBox 8">
